--- a/安靜_約書亞樂團version.pptx
+++ b/安靜_約書亞樂團version.pptx
@@ -5,10 +5,13 @@
     <p:sldMasterId id="2147483660" r:id="rId1"/>
   </p:sldMasterIdLst>
   <p:sldIdLst>
-    <p:sldId id="257" r:id="rId2"/>
-    <p:sldId id="258" r:id="rId3"/>
-    <p:sldId id="259" r:id="rId4"/>
-    <p:sldId id="260" r:id="rId5"/>
+    <p:sldId id="261" r:id="rId2"/>
+    <p:sldId id="262" r:id="rId3"/>
+    <p:sldId id="263" r:id="rId4"/>
+    <p:sldId id="264" r:id="rId5"/>
+    <p:sldId id="265" r:id="rId6"/>
+    <p:sldId id="266" r:id="rId7"/>
+    <p:sldId id="267" r:id="rId8"/>
   </p:sldIdLst>
   <p:sldSz cx="9144000" cy="5143500" type="screen16x9"/>
   <p:notesSz cx="6858000" cy="9144000"/>
@@ -107,6 +110,22 @@
       </a:defRPr>
     </a:lvl9pPr>
   </p:defaultTextStyle>
+  <p:extLst>
+    <p:ext uri="{EFAFB233-063F-42B5-8137-9DF3F51BA10A}">
+      <p15:sldGuideLst xmlns:p15="http://schemas.microsoft.com/office/powerpoint/2012/main">
+        <p15:guide id="1" orient="horz" pos="1620">
+          <p15:clr>
+            <a:srgbClr val="A4A3A4"/>
+          </p15:clr>
+        </p15:guide>
+        <p15:guide id="2" pos="2880">
+          <p15:clr>
+            <a:srgbClr val="A4A3A4"/>
+          </p15:clr>
+        </p15:guide>
+      </p15:sldGuideLst>
+    </p:ext>
+  </p:extLst>
 </p:presentation>
 </file>
 
@@ -291,7 +310,7 @@
           <a:p>
             <a:fld id="{20568EC8-F891-4262-8618-380BC85BBFDD}" type="datetimeFigureOut">
               <a:rPr lang="zh-TW" altLang="en-US" smtClean="0"/>
-              <a:t>2019/9/7</a:t>
+              <a:t>2020/12/26</a:t>
             </a:fld>
             <a:endParaRPr lang="zh-TW" altLang="en-US"/>
           </a:p>
@@ -456,7 +475,7 @@
           <a:p>
             <a:fld id="{20568EC8-F891-4262-8618-380BC85BBFDD}" type="datetimeFigureOut">
               <a:rPr lang="zh-TW" altLang="en-US" smtClean="0"/>
-              <a:t>2019/9/7</a:t>
+              <a:t>2020/12/26</a:t>
             </a:fld>
             <a:endParaRPr lang="zh-TW" altLang="en-US"/>
           </a:p>
@@ -631,7 +650,7 @@
           <a:p>
             <a:fld id="{20568EC8-F891-4262-8618-380BC85BBFDD}" type="datetimeFigureOut">
               <a:rPr lang="zh-TW" altLang="en-US" smtClean="0"/>
-              <a:t>2019/9/7</a:t>
+              <a:t>2020/12/26</a:t>
             </a:fld>
             <a:endParaRPr lang="zh-TW" altLang="en-US"/>
           </a:p>
@@ -796,7 +815,7 @@
           <a:p>
             <a:fld id="{20568EC8-F891-4262-8618-380BC85BBFDD}" type="datetimeFigureOut">
               <a:rPr lang="zh-TW" altLang="en-US" smtClean="0"/>
-              <a:t>2019/9/7</a:t>
+              <a:t>2020/12/26</a:t>
             </a:fld>
             <a:endParaRPr lang="zh-TW" altLang="en-US"/>
           </a:p>
@@ -1037,7 +1056,7 @@
           <a:p>
             <a:fld id="{20568EC8-F891-4262-8618-380BC85BBFDD}" type="datetimeFigureOut">
               <a:rPr lang="zh-TW" altLang="en-US" smtClean="0"/>
-              <a:t>2019/9/7</a:t>
+              <a:t>2020/12/26</a:t>
             </a:fld>
             <a:endParaRPr lang="zh-TW" altLang="en-US"/>
           </a:p>
@@ -1320,7 +1339,7 @@
           <a:p>
             <a:fld id="{20568EC8-F891-4262-8618-380BC85BBFDD}" type="datetimeFigureOut">
               <a:rPr lang="zh-TW" altLang="en-US" smtClean="0"/>
-              <a:t>2019/9/7</a:t>
+              <a:t>2020/12/26</a:t>
             </a:fld>
             <a:endParaRPr lang="zh-TW" altLang="en-US"/>
           </a:p>
@@ -1737,7 +1756,7 @@
           <a:p>
             <a:fld id="{20568EC8-F891-4262-8618-380BC85BBFDD}" type="datetimeFigureOut">
               <a:rPr lang="zh-TW" altLang="en-US" smtClean="0"/>
-              <a:t>2019/9/7</a:t>
+              <a:t>2020/12/26</a:t>
             </a:fld>
             <a:endParaRPr lang="zh-TW" altLang="en-US"/>
           </a:p>
@@ -1850,7 +1869,7 @@
           <a:p>
             <a:fld id="{20568EC8-F891-4262-8618-380BC85BBFDD}" type="datetimeFigureOut">
               <a:rPr lang="zh-TW" altLang="en-US" smtClean="0"/>
-              <a:t>2019/9/7</a:t>
+              <a:t>2020/12/26</a:t>
             </a:fld>
             <a:endParaRPr lang="zh-TW" altLang="en-US"/>
           </a:p>
@@ -1940,7 +1959,7 @@
           <a:p>
             <a:fld id="{20568EC8-F891-4262-8618-380BC85BBFDD}" type="datetimeFigureOut">
               <a:rPr lang="zh-TW" altLang="en-US" smtClean="0"/>
-              <a:t>2019/9/7</a:t>
+              <a:t>2020/12/26</a:t>
             </a:fld>
             <a:endParaRPr lang="zh-TW" altLang="en-US"/>
           </a:p>
@@ -2212,7 +2231,7 @@
           <a:p>
             <a:fld id="{20568EC8-F891-4262-8618-380BC85BBFDD}" type="datetimeFigureOut">
               <a:rPr lang="zh-TW" altLang="en-US" smtClean="0"/>
-              <a:t>2019/9/7</a:t>
+              <a:t>2020/12/26</a:t>
             </a:fld>
             <a:endParaRPr lang="zh-TW" altLang="en-US"/>
           </a:p>
@@ -2464,7 +2483,7 @@
           <a:p>
             <a:fld id="{20568EC8-F891-4262-8618-380BC85BBFDD}" type="datetimeFigureOut">
               <a:rPr lang="zh-TW" altLang="en-US" smtClean="0"/>
-              <a:t>2019/9/7</a:t>
+              <a:t>2020/12/26</a:t>
             </a:fld>
             <a:endParaRPr lang="zh-TW" altLang="en-US"/>
           </a:p>
@@ -2677,7 +2696,7 @@
           <a:p>
             <a:fld id="{20568EC8-F891-4262-8618-380BC85BBFDD}" type="datetimeFigureOut">
               <a:rPr lang="zh-TW" altLang="en-US" smtClean="0"/>
-              <a:t>2019/9/7</a:t>
+              <a:t>2020/12/26</a:t>
             </a:fld>
             <a:endParaRPr lang="zh-TW" altLang="en-US"/>
           </a:p>
@@ -3057,153 +3076,75 @@
             <p:ph type="title"/>
           </p:nvPr>
         </p:nvSpPr>
-        <p:spPr/>
+        <p:spPr>
+          <a:xfrm>
+            <a:off x="0" y="2143135"/>
+            <a:ext cx="9144000" cy="857250"/>
+          </a:xfrm>
+        </p:spPr>
         <p:txBody>
           <a:bodyPr>
-            <a:normAutofit/>
+            <a:noAutofit/>
           </a:bodyPr>
           <a:lstStyle/>
           <a:p>
             <a:r>
-              <a:rPr lang="zh-CN" altLang="en-US" sz="4000" b="1" dirty="0" smtClean="0">
+              <a:rPr lang="zh-CN" altLang="en-US" sz="5400" b="1" i="1" dirty="0" smtClean="0">
                 <a:solidFill>
                   <a:srgbClr val="000066"/>
                 </a:solidFill>
+                <a:effectLst>
+                  <a:outerShdw blurRad="38100" dist="38100" dir="2700000" algn="tl">
+                    <a:srgbClr val="000000">
+                      <a:alpha val="43137"/>
+                    </a:srgbClr>
+                  </a:outerShdw>
+                </a:effectLst>
                 <a:latin typeface="微軟正黑體" pitchFamily="34" charset="-120"/>
                 <a:ea typeface="微軟正黑體" pitchFamily="34" charset="-120"/>
               </a:rPr>
-              <a:t>安靜</a:t>
-            </a:r>
-            <a:endParaRPr lang="zh-TW" altLang="en-US" sz="4000" b="1" dirty="0">
+              <a:t>安</a:t>
+            </a:r>
+            <a:r>
+              <a:rPr lang="zh-CN" altLang="en-US" sz="5400" b="1" i="1" dirty="0">
+                <a:solidFill>
+                  <a:srgbClr val="000066"/>
+                </a:solidFill>
+                <a:effectLst>
+                  <a:outerShdw blurRad="38100" dist="38100" dir="2700000" algn="tl">
+                    <a:srgbClr val="000000">
+                      <a:alpha val="43137"/>
+                    </a:srgbClr>
+                  </a:outerShdw>
+                </a:effectLst>
+                <a:latin typeface="微軟正黑體" pitchFamily="34" charset="-120"/>
+                <a:ea typeface="微軟正黑體" pitchFamily="34" charset="-120"/>
+              </a:rPr>
+              <a:t>靜</a:t>
+            </a:r>
+            <a:endParaRPr lang="zh-TW" altLang="en-US" sz="5400" b="1" i="1" dirty="0">
               <a:solidFill>
                 <a:srgbClr val="000066"/>
               </a:solidFill>
+              <a:effectLst>
+                <a:outerShdw blurRad="38100" dist="38100" dir="2700000" algn="tl">
+                  <a:srgbClr val="000000">
+                    <a:alpha val="43137"/>
+                  </a:srgbClr>
+                </a:outerShdw>
+              </a:effectLst>
               <a:latin typeface="微軟正黑體" pitchFamily="34" charset="-120"/>
               <a:ea typeface="微軟正黑體" pitchFamily="34" charset="-120"/>
             </a:endParaRPr>
           </a:p>
         </p:txBody>
       </p:sp>
-      <p:sp>
-        <p:nvSpPr>
-          <p:cNvPr id="5" name="內容版面配置區 4"/>
-          <p:cNvSpPr>
-            <a:spLocks noGrp="1"/>
-          </p:cNvSpPr>
-          <p:nvPr>
-            <p:ph idx="1"/>
-          </p:nvPr>
-        </p:nvSpPr>
-        <p:spPr>
-          <a:xfrm>
-            <a:off x="457200" y="1200150"/>
-            <a:ext cx="8229600" cy="3943349"/>
-          </a:xfrm>
-        </p:spPr>
-        <p:txBody>
-          <a:bodyPr>
-            <a:normAutofit/>
-          </a:bodyPr>
-          <a:lstStyle/>
-          <a:p>
-            <a:pPr algn="ctr">
-              <a:buNone/>
-            </a:pPr>
-            <a:r>
-              <a:rPr lang="zh-TW" altLang="en-US" sz="4800" b="1" dirty="0" smtClean="0">
-                <a:solidFill>
-                  <a:srgbClr val="000066"/>
-                </a:solidFill>
-                <a:latin typeface="微軟正黑體" pitchFamily="34" charset="-120"/>
-                <a:ea typeface="微軟正黑體" pitchFamily="34" charset="-120"/>
-              </a:rPr>
-              <a:t>藏我在 </a:t>
-            </a:r>
-            <a:r>
-              <a:rPr lang="zh-TW" altLang="en-US" sz="4800" b="1" dirty="0" smtClean="0">
-                <a:solidFill>
-                  <a:srgbClr val="000066"/>
-                </a:solidFill>
-                <a:latin typeface="微軟正黑體" pitchFamily="34" charset="-120"/>
-                <a:ea typeface="微軟正黑體" pitchFamily="34" charset="-120"/>
-              </a:rPr>
-              <a:t>翅</a:t>
-            </a:r>
-            <a:r>
-              <a:rPr lang="zh-TW" altLang="en-US" sz="4800" b="1" dirty="0" smtClean="0">
-                <a:solidFill>
-                  <a:srgbClr val="000066"/>
-                </a:solidFill>
-                <a:latin typeface="微軟正黑體" pitchFamily="34" charset="-120"/>
-                <a:ea typeface="微軟正黑體" pitchFamily="34" charset="-120"/>
-              </a:rPr>
-              <a:t>膀蔭下</a:t>
-            </a:r>
-            <a:endParaRPr lang="en-US" altLang="zh-TW" sz="4800" b="1" dirty="0" smtClean="0">
-              <a:solidFill>
-                <a:srgbClr val="000066"/>
-              </a:solidFill>
-              <a:latin typeface="微軟正黑體" pitchFamily="34" charset="-120"/>
-              <a:ea typeface="微軟正黑體" pitchFamily="34" charset="-120"/>
-            </a:endParaRPr>
-          </a:p>
-          <a:p>
-            <a:pPr algn="ctr">
-              <a:buNone/>
-            </a:pPr>
-            <a:r>
-              <a:rPr lang="zh-TW" altLang="en-US" sz="4800" b="1" dirty="0" smtClean="0">
-                <a:solidFill>
-                  <a:srgbClr val="000066"/>
-                </a:solidFill>
-                <a:latin typeface="微軟正黑體" pitchFamily="34" charset="-120"/>
-                <a:ea typeface="微軟正黑體" pitchFamily="34" charset="-120"/>
-              </a:rPr>
-              <a:t>遮蓋我 </a:t>
-            </a:r>
-            <a:endParaRPr lang="en-US" altLang="zh-TW" sz="4800" b="1" dirty="0" smtClean="0">
-              <a:solidFill>
-                <a:srgbClr val="000066"/>
-              </a:solidFill>
-              <a:latin typeface="微軟正黑體" pitchFamily="34" charset="-120"/>
-              <a:ea typeface="微軟正黑體" pitchFamily="34" charset="-120"/>
-            </a:endParaRPr>
-          </a:p>
-          <a:p>
-            <a:pPr algn="ctr">
-              <a:buNone/>
-            </a:pPr>
-            <a:r>
-              <a:rPr lang="zh-TW" altLang="en-US" sz="4800" b="1" dirty="0" smtClean="0">
-                <a:solidFill>
-                  <a:srgbClr val="000066"/>
-                </a:solidFill>
-                <a:latin typeface="微軟正黑體" pitchFamily="34" charset="-120"/>
-                <a:ea typeface="微軟正黑體" pitchFamily="34" charset="-120"/>
-              </a:rPr>
-              <a:t>在</a:t>
-            </a:r>
-            <a:r>
-              <a:rPr lang="zh-TW" altLang="en-US" sz="4800" b="1" dirty="0" smtClean="0">
-                <a:solidFill>
-                  <a:srgbClr val="000066"/>
-                </a:solidFill>
-                <a:latin typeface="微軟正黑體" pitchFamily="34" charset="-120"/>
-                <a:ea typeface="微軟正黑體" pitchFamily="34" charset="-120"/>
-              </a:rPr>
-              <a:t>祢大能手中</a:t>
-            </a:r>
-            <a:endParaRPr lang="zh-TW" altLang="en-US" sz="4800" b="1" dirty="0">
-              <a:solidFill>
-                <a:srgbClr val="000066"/>
-              </a:solidFill>
-              <a:latin typeface="微軟正黑體" pitchFamily="34" charset="-120"/>
-              <a:ea typeface="微軟正黑體" pitchFamily="34" charset="-120"/>
-            </a:endParaRPr>
-          </a:p>
-        </p:txBody>
-      </p:sp>
     </p:spTree>
+    <p:extLst>
+      <p:ext uri="{BB962C8B-B14F-4D97-AF65-F5344CB8AC3E}">
+        <p14:creationId xmlns:p14="http://schemas.microsoft.com/office/powerpoint/2010/main" val="2946763221"/>
+      </p:ext>
+    </p:extLst>
   </p:cSld>
   <p:clrMapOvr>
     <a:masterClrMapping/>
@@ -3237,70 +3178,58 @@
       </p:grpSpPr>
       <p:sp>
         <p:nvSpPr>
-          <p:cNvPr id="4" name="標題 3"/>
-          <p:cNvSpPr>
-            <a:spLocks noGrp="1"/>
-          </p:cNvSpPr>
-          <p:nvPr>
-            <p:ph type="title"/>
-          </p:nvPr>
-        </p:nvSpPr>
-        <p:spPr/>
-        <p:txBody>
-          <a:bodyPr>
+          <p:cNvPr id="5" name="內容版面配置區 4"/>
+          <p:cNvSpPr>
+            <a:spLocks noGrp="1"/>
+          </p:cNvSpPr>
+          <p:nvPr>
+            <p:ph idx="1"/>
+          </p:nvPr>
+        </p:nvSpPr>
+        <p:spPr>
+          <a:xfrm>
+            <a:off x="0" y="1563638"/>
+            <a:ext cx="9144000" cy="1803647"/>
+          </a:xfrm>
+        </p:spPr>
+        <p:txBody>
+          <a:bodyPr anchor="ctr">
             <a:normAutofit/>
           </a:bodyPr>
           <a:lstStyle/>
           <a:p>
-            <a:r>
-              <a:rPr lang="zh-CN" altLang="en-US" sz="4000" b="1" dirty="0">
+            <a:pPr algn="ctr">
+              <a:buNone/>
+            </a:pPr>
+            <a:r>
+              <a:rPr lang="zh-TW" altLang="en-US" sz="4800" b="1" dirty="0">
                 <a:solidFill>
                   <a:srgbClr val="000066"/>
                 </a:solidFill>
                 <a:latin typeface="微軟正黑體" pitchFamily="34" charset="-120"/>
                 <a:ea typeface="微軟正黑體" pitchFamily="34" charset="-120"/>
               </a:rPr>
-              <a:t>安靜</a:t>
-            </a:r>
-            <a:endParaRPr lang="zh-TW" altLang="en-US" sz="4000" b="1" dirty="0">
-              <a:solidFill>
-                <a:srgbClr val="000066"/>
-              </a:solidFill>
-              <a:latin typeface="微軟正黑體" pitchFamily="34" charset="-120"/>
-              <a:ea typeface="微軟正黑體" pitchFamily="34" charset="-120"/>
-            </a:endParaRPr>
-          </a:p>
-        </p:txBody>
-      </p:sp>
-      <p:sp>
-        <p:nvSpPr>
-          <p:cNvPr id="5" name="內容版面配置區 4"/>
-          <p:cNvSpPr>
-            <a:spLocks noGrp="1"/>
-          </p:cNvSpPr>
-          <p:nvPr>
-            <p:ph idx="1"/>
-          </p:nvPr>
-        </p:nvSpPr>
-        <p:spPr/>
-        <p:txBody>
-          <a:bodyPr>
-            <a:noAutofit/>
-          </a:bodyPr>
-          <a:lstStyle/>
-          <a:p>
-            <a:pPr algn="ctr">
-              <a:buNone/>
-            </a:pPr>
-            <a:r>
-              <a:rPr lang="zh-TW" altLang="en-US" sz="4800" b="1" dirty="0">
+              <a:t>藏我</a:t>
+            </a:r>
+            <a:r>
+              <a:rPr lang="zh-TW" altLang="en-US" sz="4800" b="1" dirty="0" smtClean="0">
                 <a:solidFill>
                   <a:srgbClr val="000066"/>
                 </a:solidFill>
                 <a:latin typeface="微軟正黑體" pitchFamily="34" charset="-120"/>
                 <a:ea typeface="微軟正黑體" pitchFamily="34" charset="-120"/>
               </a:rPr>
-              <a:t>當大海翻騰波濤洶湧</a:t>
+              <a:t>在  </a:t>
+            </a:r>
+            <a:r>
+              <a:rPr lang="zh-TW" altLang="en-US" sz="4800" b="1" dirty="0">
+                <a:solidFill>
+                  <a:srgbClr val="000066"/>
+                </a:solidFill>
+                <a:latin typeface="微軟正黑體" pitchFamily="34" charset="-120"/>
+                <a:ea typeface="微軟正黑體" pitchFamily="34" charset="-120"/>
+              </a:rPr>
+              <a:t>翅膀蔭下</a:t>
             </a:r>
             <a:endParaRPr lang="en-US" altLang="zh-TW" sz="4800" b="1" dirty="0">
               <a:solidFill>
@@ -3322,9 +3251,39 @@
                 <a:latin typeface="微軟正黑體" pitchFamily="34" charset="-120"/>
                 <a:ea typeface="微軟正黑體" pitchFamily="34" charset="-120"/>
               </a:rPr>
-              <a:t>我與祢展翅暴風上空</a:t>
-            </a:r>
-            <a:endParaRPr lang="en-US" altLang="zh-TW" sz="4800" b="1" dirty="0">
+              <a:t>遮蓋我 </a:t>
+            </a:r>
+            <a:r>
+              <a:rPr lang="en-US" altLang="zh-TW" sz="4800" b="1" dirty="0" smtClean="0">
+                <a:solidFill>
+                  <a:srgbClr val="000066"/>
+                </a:solidFill>
+                <a:latin typeface="微軟正黑體" pitchFamily="34" charset="-120"/>
+                <a:ea typeface="微軟正黑體" pitchFamily="34" charset="-120"/>
+              </a:rPr>
+              <a:t> </a:t>
+            </a:r>
+            <a:r>
+              <a:rPr lang="zh-TW" altLang="en-US" sz="4800" b="1" dirty="0" smtClean="0">
+                <a:solidFill>
+                  <a:srgbClr val="000066"/>
+                </a:solidFill>
+                <a:latin typeface="微軟正黑體" pitchFamily="34" charset="-120"/>
+                <a:ea typeface="微軟正黑體" pitchFamily="34" charset="-120"/>
+              </a:rPr>
+              <a:t>在</a:t>
+            </a:r>
+            <a:r>
+              <a:rPr lang="zh-TW" altLang="en-US" sz="4800" b="1" dirty="0">
+                <a:solidFill>
+                  <a:srgbClr val="000066"/>
+                </a:solidFill>
+                <a:latin typeface="微軟正黑體" pitchFamily="34" charset="-120"/>
+                <a:ea typeface="微軟正黑體" pitchFamily="34" charset="-120"/>
+              </a:rPr>
+              <a:t>祢大能手中</a:t>
+            </a:r>
+            <a:endParaRPr lang="zh-TW" altLang="en-US" sz="4800" b="1" dirty="0">
               <a:solidFill>
                 <a:srgbClr val="000066"/>
               </a:solidFill>
@@ -3332,46 +3291,14 @@
               <a:ea typeface="微軟正黑體" pitchFamily="34" charset="-120"/>
             </a:endParaRPr>
           </a:p>
-          <a:p>
-            <a:pPr algn="ctr">
-              <a:buNone/>
-            </a:pPr>
-            <a:r>
-              <a:rPr lang="zh-TW" altLang="en-US" sz="4800" b="1" dirty="0">
-                <a:solidFill>
-                  <a:srgbClr val="000066"/>
-                </a:solidFill>
-                <a:latin typeface="微軟正黑體" pitchFamily="34" charset="-120"/>
-                <a:ea typeface="微軟正黑體" pitchFamily="34" charset="-120"/>
-              </a:rPr>
-              <a:t>父祢仍作王在洪水中</a:t>
-            </a:r>
-            <a:endParaRPr lang="en-US" altLang="zh-TW" sz="4800" b="1" dirty="0">
-              <a:solidFill>
-                <a:srgbClr val="000066"/>
-              </a:solidFill>
-              <a:latin typeface="微軟正黑體" pitchFamily="34" charset="-120"/>
-              <a:ea typeface="微軟正黑體" pitchFamily="34" charset="-120"/>
-            </a:endParaRPr>
-          </a:p>
-          <a:p>
-            <a:pPr algn="ctr">
-              <a:buNone/>
-            </a:pPr>
-            <a:r>
-              <a:rPr lang="zh-TW" altLang="en-US" sz="4800" b="1" dirty="0">
-                <a:solidFill>
-                  <a:srgbClr val="000066"/>
-                </a:solidFill>
-                <a:latin typeface="微軟正黑體" pitchFamily="34" charset="-120"/>
-                <a:ea typeface="微軟正黑體" pitchFamily="34" charset="-120"/>
-              </a:rPr>
-              <a:t>我要安靜 知祢是神</a:t>
-            </a:r>
-          </a:p>
         </p:txBody>
       </p:sp>
     </p:spTree>
+    <p:extLst>
+      <p:ext uri="{BB962C8B-B14F-4D97-AF65-F5344CB8AC3E}">
+        <p14:creationId xmlns:p14="http://schemas.microsoft.com/office/powerpoint/2010/main" val="3294799251"/>
+      </p:ext>
+    </p:extLst>
   </p:cSld>
   <p:clrMapOvr>
     <a:masterClrMapping/>
@@ -3405,32 +3332,40 @@
       </p:grpSpPr>
       <p:sp>
         <p:nvSpPr>
-          <p:cNvPr id="4" name="標題 3"/>
-          <p:cNvSpPr>
-            <a:spLocks noGrp="1"/>
-          </p:cNvSpPr>
-          <p:nvPr>
-            <p:ph type="title"/>
-          </p:nvPr>
-        </p:nvSpPr>
-        <p:spPr/>
-        <p:txBody>
-          <a:bodyPr>
+          <p:cNvPr id="5" name="內容版面配置區 4"/>
+          <p:cNvSpPr>
+            <a:spLocks noGrp="1"/>
+          </p:cNvSpPr>
+          <p:nvPr>
+            <p:ph idx="1"/>
+          </p:nvPr>
+        </p:nvSpPr>
+        <p:spPr>
+          <a:xfrm>
+            <a:off x="0" y="1563638"/>
+            <a:ext cx="9144000" cy="1803647"/>
+          </a:xfrm>
+        </p:spPr>
+        <p:txBody>
+          <a:bodyPr anchor="ctr">
             <a:normAutofit/>
           </a:bodyPr>
           <a:lstStyle/>
           <a:p>
-            <a:r>
-              <a:rPr lang="zh-CN" altLang="en-US" sz="4000" b="1" dirty="0">
+            <a:pPr algn="ctr">
+              <a:buNone/>
+            </a:pPr>
+            <a:r>
+              <a:rPr lang="zh-TW" altLang="en-US" sz="4800" b="1" dirty="0">
                 <a:solidFill>
                   <a:srgbClr val="000066"/>
                 </a:solidFill>
                 <a:latin typeface="微軟正黑體" pitchFamily="34" charset="-120"/>
                 <a:ea typeface="微軟正黑體" pitchFamily="34" charset="-120"/>
               </a:rPr>
-              <a:t>安靜</a:t>
-            </a:r>
-            <a:endParaRPr lang="zh-TW" altLang="en-US" sz="4000" b="1" dirty="0">
+              <a:t>當大海翻騰波濤洶湧</a:t>
+            </a:r>
+            <a:endParaRPr lang="en-US" altLang="zh-TW" sz="4800" b="1" dirty="0">
               <a:solidFill>
                 <a:srgbClr val="000066"/>
               </a:solidFill>
@@ -3438,64 +3373,21 @@
               <a:ea typeface="微軟正黑體" pitchFamily="34" charset="-120"/>
             </a:endParaRPr>
           </a:p>
-        </p:txBody>
-      </p:sp>
-      <p:sp>
-        <p:nvSpPr>
-          <p:cNvPr id="5" name="內容版面配置區 4"/>
-          <p:cNvSpPr>
-            <a:spLocks noGrp="1"/>
-          </p:cNvSpPr>
-          <p:nvPr>
-            <p:ph idx="1"/>
-          </p:nvPr>
-        </p:nvSpPr>
-        <p:spPr>
-          <a:xfrm>
-            <a:off x="457200" y="1200150"/>
-            <a:ext cx="8229600" cy="3943349"/>
-          </a:xfrm>
-        </p:spPr>
-        <p:txBody>
-          <a:bodyPr>
-            <a:normAutofit/>
-          </a:bodyPr>
-          <a:lstStyle/>
           <a:p>
             <a:pPr algn="ctr">
               <a:buNone/>
             </a:pPr>
             <a:r>
-              <a:rPr lang="zh-TW" altLang="en-US" sz="4800" b="1" dirty="0" smtClean="0">
+              <a:rPr lang="zh-TW" altLang="en-US" sz="4800" b="1" dirty="0">
                 <a:solidFill>
                   <a:srgbClr val="000066"/>
                 </a:solidFill>
                 <a:latin typeface="微軟正黑體" pitchFamily="34" charset="-120"/>
                 <a:ea typeface="微軟正黑體" pitchFamily="34" charset="-120"/>
               </a:rPr>
-              <a:t>我靈安息 </a:t>
-            </a:r>
-            <a:r>
-              <a:rPr lang="zh-TW" altLang="en-US" sz="4800" b="1" dirty="0" smtClean="0">
-                <a:solidFill>
-                  <a:srgbClr val="000066"/>
-                </a:solidFill>
-                <a:latin typeface="微軟正黑體" pitchFamily="34" charset="-120"/>
-                <a:ea typeface="微軟正黑體" pitchFamily="34" charset="-120"/>
-              </a:rPr>
-              <a:t>在</a:t>
-            </a:r>
-            <a:r>
-              <a:rPr lang="zh-TW" altLang="en-US" sz="4800" b="1" dirty="0" smtClean="0">
-                <a:solidFill>
-                  <a:srgbClr val="000066"/>
-                </a:solidFill>
-                <a:latin typeface="微軟正黑體" pitchFamily="34" charset="-120"/>
-                <a:ea typeface="微軟正黑體" pitchFamily="34" charset="-120"/>
-              </a:rPr>
-              <a:t>基督裡</a:t>
-            </a:r>
-            <a:endParaRPr lang="en-US" altLang="zh-TW" sz="4800" b="1" dirty="0" smtClean="0">
+              <a:t>我與祢展翅暴風上空</a:t>
+            </a:r>
+            <a:endParaRPr lang="en-US" altLang="zh-TW" sz="4800" b="1" dirty="0">
               <a:solidFill>
                 <a:srgbClr val="000066"/>
               </a:solidFill>
@@ -3503,63 +3395,14 @@
               <a:ea typeface="微軟正黑體" pitchFamily="34" charset="-120"/>
             </a:endParaRPr>
           </a:p>
-          <a:p>
-            <a:pPr algn="ctr">
-              <a:buNone/>
-            </a:pPr>
-            <a:r>
-              <a:rPr lang="zh-TW" altLang="en-US" sz="4800" b="1" dirty="0" smtClean="0">
-                <a:solidFill>
-                  <a:srgbClr val="000066"/>
-                </a:solidFill>
-                <a:latin typeface="微軟正黑體" pitchFamily="34" charset="-120"/>
-                <a:ea typeface="微軟正黑體" pitchFamily="34" charset="-120"/>
-              </a:rPr>
-              <a:t>祢大能 </a:t>
-            </a:r>
-            <a:endParaRPr lang="en-US" altLang="zh-TW" sz="4800" b="1" dirty="0" smtClean="0">
-              <a:solidFill>
-                <a:srgbClr val="000066"/>
-              </a:solidFill>
-              <a:latin typeface="微軟正黑體" pitchFamily="34" charset="-120"/>
-              <a:ea typeface="微軟正黑體" pitchFamily="34" charset="-120"/>
-            </a:endParaRPr>
-          </a:p>
-          <a:p>
-            <a:pPr algn="ctr">
-              <a:buNone/>
-            </a:pPr>
-            <a:r>
-              <a:rPr lang="zh-TW" altLang="en-US" sz="4800" b="1" dirty="0" smtClean="0">
-                <a:solidFill>
-                  <a:srgbClr val="000066"/>
-                </a:solidFill>
-                <a:latin typeface="微軟正黑體" pitchFamily="34" charset="-120"/>
-                <a:ea typeface="微軟正黑體" pitchFamily="34" charset="-120"/>
-              </a:rPr>
-              <a:t>使</a:t>
-            </a:r>
-            <a:r>
-              <a:rPr lang="zh-TW" altLang="en-US" sz="4800" b="1" dirty="0" smtClean="0">
-                <a:solidFill>
-                  <a:srgbClr val="000066"/>
-                </a:solidFill>
-                <a:latin typeface="微軟正黑體" pitchFamily="34" charset="-120"/>
-                <a:ea typeface="微軟正黑體" pitchFamily="34" charset="-120"/>
-              </a:rPr>
-              <a:t>我安然信靠</a:t>
-            </a:r>
-            <a:endParaRPr lang="zh-TW" altLang="en-US" sz="4800" b="1" dirty="0">
-              <a:solidFill>
-                <a:srgbClr val="000066"/>
-              </a:solidFill>
-              <a:latin typeface="微軟正黑體" pitchFamily="34" charset="-120"/>
-              <a:ea typeface="微軟正黑體" pitchFamily="34" charset="-120"/>
-            </a:endParaRPr>
-          </a:p>
         </p:txBody>
       </p:sp>
     </p:spTree>
+    <p:extLst>
+      <p:ext uri="{BB962C8B-B14F-4D97-AF65-F5344CB8AC3E}">
+        <p14:creationId xmlns:p14="http://schemas.microsoft.com/office/powerpoint/2010/main" val="179186231"/>
+      </p:ext>
+    </p:extLst>
   </p:cSld>
   <p:clrMapOvr>
     <a:masterClrMapping/>
@@ -3593,32 +3436,40 @@
       </p:grpSpPr>
       <p:sp>
         <p:nvSpPr>
-          <p:cNvPr id="4" name="標題 3"/>
-          <p:cNvSpPr>
-            <a:spLocks noGrp="1"/>
-          </p:cNvSpPr>
-          <p:nvPr>
-            <p:ph type="title"/>
-          </p:nvPr>
-        </p:nvSpPr>
-        <p:spPr/>
-        <p:txBody>
-          <a:bodyPr>
+          <p:cNvPr id="5" name="內容版面配置區 4"/>
+          <p:cNvSpPr>
+            <a:spLocks noGrp="1"/>
+          </p:cNvSpPr>
+          <p:nvPr>
+            <p:ph idx="1"/>
+          </p:nvPr>
+        </p:nvSpPr>
+        <p:spPr>
+          <a:xfrm>
+            <a:off x="0" y="1563638"/>
+            <a:ext cx="9144000" cy="1803647"/>
+          </a:xfrm>
+        </p:spPr>
+        <p:txBody>
+          <a:bodyPr anchor="ctr">
             <a:normAutofit/>
           </a:bodyPr>
           <a:lstStyle/>
           <a:p>
-            <a:r>
-              <a:rPr lang="zh-CN" altLang="en-US" sz="4000" b="1" dirty="0">
+            <a:pPr algn="ctr">
+              <a:buNone/>
+            </a:pPr>
+            <a:r>
+              <a:rPr lang="zh-TW" altLang="en-US" sz="4800" b="1" dirty="0">
                 <a:solidFill>
                   <a:srgbClr val="000066"/>
                 </a:solidFill>
                 <a:latin typeface="微軟正黑體" pitchFamily="34" charset="-120"/>
                 <a:ea typeface="微軟正黑體" pitchFamily="34" charset="-120"/>
               </a:rPr>
-              <a:t>安靜</a:t>
-            </a:r>
-            <a:endParaRPr lang="zh-TW" altLang="en-US" sz="4000" b="1" dirty="0">
+              <a:t>父祢仍作王在洪水中</a:t>
+            </a:r>
+            <a:endParaRPr lang="en-US" altLang="zh-TW" sz="4800" b="1" dirty="0">
               <a:solidFill>
                 <a:srgbClr val="000066"/>
               </a:solidFill>
@@ -3626,50 +3477,20 @@
               <a:ea typeface="微軟正黑體" pitchFamily="34" charset="-120"/>
             </a:endParaRPr>
           </a:p>
-        </p:txBody>
-      </p:sp>
-      <p:sp>
-        <p:nvSpPr>
-          <p:cNvPr id="5" name="內容版面配置區 4"/>
-          <p:cNvSpPr>
-            <a:spLocks noGrp="1"/>
-          </p:cNvSpPr>
-          <p:nvPr>
-            <p:ph idx="1"/>
-          </p:nvPr>
-        </p:nvSpPr>
-        <p:spPr/>
-        <p:txBody>
-          <a:bodyPr>
-            <a:noAutofit/>
-          </a:bodyPr>
-          <a:lstStyle/>
           <a:p>
             <a:pPr algn="ctr">
               <a:buNone/>
             </a:pPr>
             <a:r>
-              <a:rPr lang="zh-TW" altLang="en-US" sz="4800" b="1" dirty="0" smtClean="0">
+              <a:rPr lang="zh-TW" altLang="en-US" sz="4800" b="1" dirty="0">
                 <a:solidFill>
                   <a:srgbClr val="000066"/>
                 </a:solidFill>
                 <a:latin typeface="微軟正黑體" pitchFamily="34" charset="-120"/>
                 <a:ea typeface="微軟正黑體" pitchFamily="34" charset="-120"/>
               </a:rPr>
-              <a:t>當大海翻騰波濤洶湧</a:t>
-            </a:r>
-            <a:endParaRPr lang="en-US" altLang="zh-TW" sz="4800" b="1" dirty="0" smtClean="0">
-              <a:solidFill>
-                <a:srgbClr val="000066"/>
-              </a:solidFill>
-              <a:latin typeface="微軟正黑體" pitchFamily="34" charset="-120"/>
-              <a:ea typeface="微軟正黑體" pitchFamily="34" charset="-120"/>
-            </a:endParaRPr>
-          </a:p>
-          <a:p>
-            <a:pPr algn="ctr">
-              <a:buNone/>
-            </a:pPr>
+              <a:t>我要安靜 </a:t>
+            </a:r>
             <a:r>
               <a:rPr lang="zh-TW" altLang="en-US" sz="4800" b="1" dirty="0" smtClean="0">
                 <a:solidFill>
@@ -3678,51 +3499,17 @@
                 <a:latin typeface="微軟正黑體" pitchFamily="34" charset="-120"/>
                 <a:ea typeface="微軟正黑體" pitchFamily="34" charset="-120"/>
               </a:rPr>
-              <a:t>我與祢展翅暴風上空</a:t>
-            </a:r>
-            <a:endParaRPr lang="en-US" altLang="zh-TW" sz="4800" b="1" dirty="0" smtClean="0">
-              <a:solidFill>
-                <a:srgbClr val="000066"/>
-              </a:solidFill>
-              <a:latin typeface="微軟正黑體" pitchFamily="34" charset="-120"/>
-              <a:ea typeface="微軟正黑體" pitchFamily="34" charset="-120"/>
-            </a:endParaRPr>
-          </a:p>
-          <a:p>
-            <a:pPr algn="ctr">
-              <a:buNone/>
-            </a:pPr>
-            <a:r>
-              <a:rPr lang="zh-TW" altLang="en-US" sz="4800" b="1" dirty="0" smtClean="0">
+              <a:t> 知</a:t>
+            </a:r>
+            <a:r>
+              <a:rPr lang="zh-TW" altLang="en-US" sz="4800" b="1" dirty="0">
                 <a:solidFill>
                   <a:srgbClr val="000066"/>
                 </a:solidFill>
                 <a:latin typeface="微軟正黑體" pitchFamily="34" charset="-120"/>
                 <a:ea typeface="微軟正黑體" pitchFamily="34" charset="-120"/>
               </a:rPr>
-              <a:t>父祢仍作王在洪水中</a:t>
-            </a:r>
-            <a:endParaRPr lang="en-US" altLang="zh-TW" sz="4800" b="1" dirty="0" smtClean="0">
-              <a:solidFill>
-                <a:srgbClr val="000066"/>
-              </a:solidFill>
-              <a:latin typeface="微軟正黑體" pitchFamily="34" charset="-120"/>
-              <a:ea typeface="微軟正黑體" pitchFamily="34" charset="-120"/>
-            </a:endParaRPr>
-          </a:p>
-          <a:p>
-            <a:pPr algn="ctr">
-              <a:buNone/>
-            </a:pPr>
-            <a:r>
-              <a:rPr lang="zh-TW" altLang="en-US" sz="4800" b="1" dirty="0" smtClean="0">
-                <a:solidFill>
-                  <a:srgbClr val="000066"/>
-                </a:solidFill>
-                <a:latin typeface="微軟正黑體" pitchFamily="34" charset="-120"/>
-                <a:ea typeface="微軟正黑體" pitchFamily="34" charset="-120"/>
-              </a:rPr>
-              <a:t>我要安靜 知祢是神</a:t>
+              <a:t>祢是神</a:t>
             </a:r>
             <a:endParaRPr lang="zh-TW" altLang="en-US" sz="4800" b="1" dirty="0">
               <a:solidFill>
@@ -3735,6 +3522,393 @@
         </p:txBody>
       </p:sp>
     </p:spTree>
+    <p:extLst>
+      <p:ext uri="{BB962C8B-B14F-4D97-AF65-F5344CB8AC3E}">
+        <p14:creationId xmlns:p14="http://schemas.microsoft.com/office/powerpoint/2010/main" val="1887745555"/>
+      </p:ext>
+    </p:extLst>
+  </p:cSld>
+  <p:clrMapOvr>
+    <a:masterClrMapping/>
+  </p:clrMapOvr>
+  <p:timing>
+    <p:tnLst>
+      <p:par>
+        <p:cTn id="1" dur="indefinite" restart="never" nodeType="tmRoot"/>
+      </p:par>
+    </p:tnLst>
+  </p:timing>
+</p:sld>
+</file>
+
+<file path=ppt/slides/slide5.xml><?xml version="1.0" encoding="utf-8"?>
+<p:sld xmlns:a="http://schemas.openxmlformats.org/drawingml/2006/main" xmlns:r="http://schemas.openxmlformats.org/officeDocument/2006/relationships" xmlns:p="http://schemas.openxmlformats.org/presentationml/2006/main">
+  <p:cSld>
+    <p:spTree>
+      <p:nvGrpSpPr>
+        <p:cNvPr id="1" name=""/>
+        <p:cNvGrpSpPr/>
+        <p:nvPr/>
+      </p:nvGrpSpPr>
+      <p:grpSpPr>
+        <a:xfrm>
+          <a:off x="0" y="0"/>
+          <a:ext cx="0" cy="0"/>
+          <a:chOff x="0" y="0"/>
+          <a:chExt cx="0" cy="0"/>
+        </a:xfrm>
+      </p:grpSpPr>
+      <p:sp>
+        <p:nvSpPr>
+          <p:cNvPr id="5" name="內容版面配置區 4"/>
+          <p:cNvSpPr>
+            <a:spLocks noGrp="1"/>
+          </p:cNvSpPr>
+          <p:nvPr>
+            <p:ph idx="1"/>
+          </p:nvPr>
+        </p:nvSpPr>
+        <p:spPr>
+          <a:xfrm>
+            <a:off x="0" y="1563638"/>
+            <a:ext cx="9144000" cy="1803647"/>
+          </a:xfrm>
+        </p:spPr>
+        <p:txBody>
+          <a:bodyPr anchor="ctr">
+            <a:normAutofit/>
+          </a:bodyPr>
+          <a:lstStyle/>
+          <a:p>
+            <a:pPr algn="ctr">
+              <a:buNone/>
+            </a:pPr>
+            <a:r>
+              <a:rPr lang="zh-TW" altLang="en-US" sz="4800" b="1" dirty="0">
+                <a:solidFill>
+                  <a:srgbClr val="000066"/>
+                </a:solidFill>
+                <a:latin typeface="微軟正黑體" pitchFamily="34" charset="-120"/>
+                <a:ea typeface="微軟正黑體" pitchFamily="34" charset="-120"/>
+              </a:rPr>
+              <a:t>我靈安</a:t>
+            </a:r>
+            <a:r>
+              <a:rPr lang="zh-TW" altLang="en-US" sz="4800" b="1" dirty="0" smtClean="0">
+                <a:solidFill>
+                  <a:srgbClr val="000066"/>
+                </a:solidFill>
+                <a:latin typeface="微軟正黑體" pitchFamily="34" charset="-120"/>
+                <a:ea typeface="微軟正黑體" pitchFamily="34" charset="-120"/>
+              </a:rPr>
+              <a:t>息  </a:t>
+            </a:r>
+            <a:r>
+              <a:rPr lang="zh-TW" altLang="en-US" sz="4800" b="1" dirty="0">
+                <a:solidFill>
+                  <a:srgbClr val="000066"/>
+                </a:solidFill>
+                <a:latin typeface="微軟正黑體" pitchFamily="34" charset="-120"/>
+                <a:ea typeface="微軟正黑體" pitchFamily="34" charset="-120"/>
+              </a:rPr>
+              <a:t>在基督裡</a:t>
+            </a:r>
+            <a:endParaRPr lang="en-US" altLang="zh-TW" sz="4800" b="1" dirty="0">
+              <a:solidFill>
+                <a:srgbClr val="000066"/>
+              </a:solidFill>
+              <a:latin typeface="微軟正黑體" pitchFamily="34" charset="-120"/>
+              <a:ea typeface="微軟正黑體" pitchFamily="34" charset="-120"/>
+            </a:endParaRPr>
+          </a:p>
+          <a:p>
+            <a:pPr algn="ctr">
+              <a:buNone/>
+            </a:pPr>
+            <a:r>
+              <a:rPr lang="zh-TW" altLang="en-US" sz="4800" b="1" dirty="0">
+                <a:solidFill>
+                  <a:srgbClr val="000066"/>
+                </a:solidFill>
+                <a:latin typeface="微軟正黑體" pitchFamily="34" charset="-120"/>
+                <a:ea typeface="微軟正黑體" pitchFamily="34" charset="-120"/>
+              </a:rPr>
+              <a:t>祢大能 </a:t>
+            </a:r>
+            <a:r>
+              <a:rPr lang="en-US" altLang="zh-TW" sz="4800" b="1" dirty="0" smtClean="0">
+                <a:solidFill>
+                  <a:srgbClr val="000066"/>
+                </a:solidFill>
+                <a:latin typeface="微軟正黑體" pitchFamily="34" charset="-120"/>
+                <a:ea typeface="微軟正黑體" pitchFamily="34" charset="-120"/>
+              </a:rPr>
+              <a:t> </a:t>
+            </a:r>
+            <a:r>
+              <a:rPr lang="zh-TW" altLang="en-US" sz="4800" b="1" dirty="0" smtClean="0">
+                <a:solidFill>
+                  <a:srgbClr val="000066"/>
+                </a:solidFill>
+                <a:latin typeface="微軟正黑體" pitchFamily="34" charset="-120"/>
+                <a:ea typeface="微軟正黑體" pitchFamily="34" charset="-120"/>
+              </a:rPr>
+              <a:t>使</a:t>
+            </a:r>
+            <a:r>
+              <a:rPr lang="zh-TW" altLang="en-US" sz="4800" b="1" dirty="0">
+                <a:solidFill>
+                  <a:srgbClr val="000066"/>
+                </a:solidFill>
+                <a:latin typeface="微軟正黑體" pitchFamily="34" charset="-120"/>
+                <a:ea typeface="微軟正黑體" pitchFamily="34" charset="-120"/>
+              </a:rPr>
+              <a:t>我安然信靠</a:t>
+            </a:r>
+            <a:endParaRPr lang="zh-TW" altLang="en-US" sz="4800" b="1" dirty="0">
+              <a:solidFill>
+                <a:srgbClr val="000066"/>
+              </a:solidFill>
+              <a:latin typeface="微軟正黑體" pitchFamily="34" charset="-120"/>
+              <a:ea typeface="微軟正黑體" pitchFamily="34" charset="-120"/>
+            </a:endParaRPr>
+          </a:p>
+        </p:txBody>
+      </p:sp>
+    </p:spTree>
+    <p:extLst>
+      <p:ext uri="{BB962C8B-B14F-4D97-AF65-F5344CB8AC3E}">
+        <p14:creationId xmlns:p14="http://schemas.microsoft.com/office/powerpoint/2010/main" val="2510895065"/>
+      </p:ext>
+    </p:extLst>
+  </p:cSld>
+  <p:clrMapOvr>
+    <a:masterClrMapping/>
+  </p:clrMapOvr>
+  <p:timing>
+    <p:tnLst>
+      <p:par>
+        <p:cTn id="1" dur="indefinite" restart="never" nodeType="tmRoot"/>
+      </p:par>
+    </p:tnLst>
+  </p:timing>
+</p:sld>
+</file>
+
+<file path=ppt/slides/slide6.xml><?xml version="1.0" encoding="utf-8"?>
+<p:sld xmlns:a="http://schemas.openxmlformats.org/drawingml/2006/main" xmlns:r="http://schemas.openxmlformats.org/officeDocument/2006/relationships" xmlns:p="http://schemas.openxmlformats.org/presentationml/2006/main">
+  <p:cSld>
+    <p:spTree>
+      <p:nvGrpSpPr>
+        <p:cNvPr id="1" name=""/>
+        <p:cNvGrpSpPr/>
+        <p:nvPr/>
+      </p:nvGrpSpPr>
+      <p:grpSpPr>
+        <a:xfrm>
+          <a:off x="0" y="0"/>
+          <a:ext cx="0" cy="0"/>
+          <a:chOff x="0" y="0"/>
+          <a:chExt cx="0" cy="0"/>
+        </a:xfrm>
+      </p:grpSpPr>
+      <p:sp>
+        <p:nvSpPr>
+          <p:cNvPr id="5" name="內容版面配置區 4"/>
+          <p:cNvSpPr>
+            <a:spLocks noGrp="1"/>
+          </p:cNvSpPr>
+          <p:nvPr>
+            <p:ph idx="1"/>
+          </p:nvPr>
+        </p:nvSpPr>
+        <p:spPr>
+          <a:xfrm>
+            <a:off x="0" y="1563638"/>
+            <a:ext cx="9144000" cy="1803647"/>
+          </a:xfrm>
+        </p:spPr>
+        <p:txBody>
+          <a:bodyPr anchor="ctr">
+            <a:normAutofit/>
+          </a:bodyPr>
+          <a:lstStyle/>
+          <a:p>
+            <a:pPr algn="ctr">
+              <a:buNone/>
+            </a:pPr>
+            <a:r>
+              <a:rPr lang="zh-TW" altLang="en-US" sz="4800" b="1" dirty="0">
+                <a:solidFill>
+                  <a:srgbClr val="000066"/>
+                </a:solidFill>
+                <a:latin typeface="微軟正黑體" pitchFamily="34" charset="-120"/>
+                <a:ea typeface="微軟正黑體" pitchFamily="34" charset="-120"/>
+              </a:rPr>
+              <a:t>當大海翻騰波濤洶湧</a:t>
+            </a:r>
+            <a:endParaRPr lang="en-US" altLang="zh-TW" sz="4800" b="1" dirty="0">
+              <a:solidFill>
+                <a:srgbClr val="000066"/>
+              </a:solidFill>
+              <a:latin typeface="微軟正黑體" pitchFamily="34" charset="-120"/>
+              <a:ea typeface="微軟正黑體" pitchFamily="34" charset="-120"/>
+            </a:endParaRPr>
+          </a:p>
+          <a:p>
+            <a:pPr algn="ctr">
+              <a:buNone/>
+            </a:pPr>
+            <a:r>
+              <a:rPr lang="zh-TW" altLang="en-US" sz="4800" b="1" dirty="0">
+                <a:solidFill>
+                  <a:srgbClr val="000066"/>
+                </a:solidFill>
+                <a:latin typeface="微軟正黑體" pitchFamily="34" charset="-120"/>
+                <a:ea typeface="微軟正黑體" pitchFamily="34" charset="-120"/>
+              </a:rPr>
+              <a:t>我與祢展翅暴風上空</a:t>
+            </a:r>
+            <a:endParaRPr lang="en-US" altLang="zh-TW" sz="4800" b="1" dirty="0">
+              <a:solidFill>
+                <a:srgbClr val="000066"/>
+              </a:solidFill>
+              <a:latin typeface="微軟正黑體" pitchFamily="34" charset="-120"/>
+              <a:ea typeface="微軟正黑體" pitchFamily="34" charset="-120"/>
+            </a:endParaRPr>
+          </a:p>
+        </p:txBody>
+      </p:sp>
+    </p:spTree>
+    <p:extLst>
+      <p:ext uri="{BB962C8B-B14F-4D97-AF65-F5344CB8AC3E}">
+        <p14:creationId xmlns:p14="http://schemas.microsoft.com/office/powerpoint/2010/main" val="1262726521"/>
+      </p:ext>
+    </p:extLst>
+  </p:cSld>
+  <p:clrMapOvr>
+    <a:masterClrMapping/>
+  </p:clrMapOvr>
+  <p:timing>
+    <p:tnLst>
+      <p:par>
+        <p:cTn id="1" dur="indefinite" restart="never" nodeType="tmRoot"/>
+      </p:par>
+    </p:tnLst>
+  </p:timing>
+</p:sld>
+</file>
+
+<file path=ppt/slides/slide7.xml><?xml version="1.0" encoding="utf-8"?>
+<p:sld xmlns:a="http://schemas.openxmlformats.org/drawingml/2006/main" xmlns:r="http://schemas.openxmlformats.org/officeDocument/2006/relationships" xmlns:p="http://schemas.openxmlformats.org/presentationml/2006/main">
+  <p:cSld>
+    <p:spTree>
+      <p:nvGrpSpPr>
+        <p:cNvPr id="1" name=""/>
+        <p:cNvGrpSpPr/>
+        <p:nvPr/>
+      </p:nvGrpSpPr>
+      <p:grpSpPr>
+        <a:xfrm>
+          <a:off x="0" y="0"/>
+          <a:ext cx="0" cy="0"/>
+          <a:chOff x="0" y="0"/>
+          <a:chExt cx="0" cy="0"/>
+        </a:xfrm>
+      </p:grpSpPr>
+      <p:sp>
+        <p:nvSpPr>
+          <p:cNvPr id="5" name="內容版面配置區 4"/>
+          <p:cNvSpPr>
+            <a:spLocks noGrp="1"/>
+          </p:cNvSpPr>
+          <p:nvPr>
+            <p:ph idx="1"/>
+          </p:nvPr>
+        </p:nvSpPr>
+        <p:spPr>
+          <a:xfrm>
+            <a:off x="0" y="1563638"/>
+            <a:ext cx="9144000" cy="1803647"/>
+          </a:xfrm>
+        </p:spPr>
+        <p:txBody>
+          <a:bodyPr anchor="ctr">
+            <a:normAutofit/>
+          </a:bodyPr>
+          <a:lstStyle/>
+          <a:p>
+            <a:pPr algn="ctr">
+              <a:buNone/>
+            </a:pPr>
+            <a:r>
+              <a:rPr lang="zh-TW" altLang="en-US" sz="4800" b="1" dirty="0">
+                <a:solidFill>
+                  <a:srgbClr val="000066"/>
+                </a:solidFill>
+                <a:latin typeface="微軟正黑體" pitchFamily="34" charset="-120"/>
+                <a:ea typeface="微軟正黑體" pitchFamily="34" charset="-120"/>
+              </a:rPr>
+              <a:t>父祢仍作王在洪水中</a:t>
+            </a:r>
+            <a:endParaRPr lang="en-US" altLang="zh-TW" sz="4800" b="1" dirty="0">
+              <a:solidFill>
+                <a:srgbClr val="000066"/>
+              </a:solidFill>
+              <a:latin typeface="微軟正黑體" pitchFamily="34" charset="-120"/>
+              <a:ea typeface="微軟正黑體" pitchFamily="34" charset="-120"/>
+            </a:endParaRPr>
+          </a:p>
+          <a:p>
+            <a:pPr algn="ctr">
+              <a:buNone/>
+            </a:pPr>
+            <a:r>
+              <a:rPr lang="zh-TW" altLang="en-US" sz="4800" b="1" dirty="0">
+                <a:solidFill>
+                  <a:srgbClr val="000066"/>
+                </a:solidFill>
+                <a:latin typeface="微軟正黑體" pitchFamily="34" charset="-120"/>
+                <a:ea typeface="微軟正黑體" pitchFamily="34" charset="-120"/>
+              </a:rPr>
+              <a:t>我要安靜 </a:t>
+            </a:r>
+            <a:r>
+              <a:rPr lang="zh-TW" altLang="en-US" sz="4800" b="1" dirty="0" smtClean="0">
+                <a:solidFill>
+                  <a:srgbClr val="000066"/>
+                </a:solidFill>
+                <a:latin typeface="微軟正黑體" pitchFamily="34" charset="-120"/>
+                <a:ea typeface="微軟正黑體" pitchFamily="34" charset="-120"/>
+              </a:rPr>
+              <a:t> 知</a:t>
+            </a:r>
+            <a:r>
+              <a:rPr lang="zh-TW" altLang="en-US" sz="4800" b="1" dirty="0">
+                <a:solidFill>
+                  <a:srgbClr val="000066"/>
+                </a:solidFill>
+                <a:latin typeface="微軟正黑體" pitchFamily="34" charset="-120"/>
+                <a:ea typeface="微軟正黑體" pitchFamily="34" charset="-120"/>
+              </a:rPr>
+              <a:t>祢是神</a:t>
+            </a:r>
+            <a:endParaRPr lang="zh-TW" altLang="en-US" sz="4800" b="1" dirty="0">
+              <a:solidFill>
+                <a:srgbClr val="000066"/>
+              </a:solidFill>
+              <a:latin typeface="微軟正黑體" pitchFamily="34" charset="-120"/>
+              <a:ea typeface="微軟正黑體" pitchFamily="34" charset="-120"/>
+            </a:endParaRPr>
+          </a:p>
+        </p:txBody>
+      </p:sp>
+    </p:spTree>
+    <p:extLst>
+      <p:ext uri="{BB962C8B-B14F-4D97-AF65-F5344CB8AC3E}">
+        <p14:creationId xmlns:p14="http://schemas.microsoft.com/office/powerpoint/2010/main" val="1045621378"/>
+      </p:ext>
+    </p:extLst>
   </p:cSld>
   <p:clrMapOvr>
     <a:masterClrMapping/>
